--- a/DesktopBasic5Transformers/PracticalTranformerUse.pptx
+++ b/DesktopBasic5Transformers/PracticalTranformerUse.pptx
@@ -32,14 +32,14 @@
   <p:notesSz cx="6858000" cy="9144000"/>
   <p:embeddedFontLst>
     <p:embeddedFont>
-      <p:font typeface="Proxima Nova" panose="020B0604020202020204" charset="0"/>
+      <p:font typeface="Open Sans" panose="020B0604020202020204" charset="0"/>
       <p:regular r:id="rId22"/>
       <p:bold r:id="rId23"/>
       <p:italic r:id="rId24"/>
       <p:boldItalic r:id="rId25"/>
     </p:embeddedFont>
     <p:embeddedFont>
-      <p:font typeface="Open Sans" panose="020B0604020202020204" charset="0"/>
+      <p:font typeface="Proxima Nova" panose="020B0604020202020204" charset="0"/>
       <p:regular r:id="rId26"/>
       <p:bold r:id="rId27"/>
       <p:italic r:id="rId28"/>
@@ -259,7 +259,7 @@
   </p:defaultTextStyle>
   <p:extLst>
     <p:ext uri="{EFAFB233-063F-42B5-8137-9DF3F51BA10A}">
-      <p15:sldGuideLst xmlns:p15="http://schemas.microsoft.com/office/powerpoint/2012/main" xmlns=""/>
+      <p15:sldGuideLst xmlns="" xmlns:p15="http://schemas.microsoft.com/office/powerpoint/2012/main"/>
     </p:ext>
   </p:extLst>
 </p:presentation>
@@ -7003,8 +7003,13 @@
             </a:pPr>
             <a:r>
               <a:rPr lang="en"/>
-              <a:t>FME 2016 Training</a:t>
+              <a:t>FME </a:t>
             </a:r>
+            <a:r>
+              <a:rPr lang="en" smtClean="0"/>
+              <a:t>2017</a:t>
+            </a:r>
+            <a:endParaRPr lang="en" dirty="0"/>
           </a:p>
         </p:txBody>
       </p:sp>
